--- a/Bench_Top_Measurements/figures/zannini-model-geo.pptx
+++ b/Bench_Top_Measurements/figures/zannini-model-geo.pptx
@@ -288,7 +288,7 @@
           <a:p>
             <a:fld id="{D88183E0-9267-4644-94A1-CA1DAE702DAE}" type="datetimeFigureOut">
               <a:rPr lang="en-GB" smtClean="0"/>
-              <a:t>06/12/2012</a:t>
+              <a:t>06/03/2013</a:t>
             </a:fld>
             <a:endParaRPr lang="en-GB"/>
           </a:p>
@@ -458,7 +458,7 @@
           <a:p>
             <a:fld id="{D88183E0-9267-4644-94A1-CA1DAE702DAE}" type="datetimeFigureOut">
               <a:rPr lang="en-GB" smtClean="0"/>
-              <a:t>06/12/2012</a:t>
+              <a:t>06/03/2013</a:t>
             </a:fld>
             <a:endParaRPr lang="en-GB"/>
           </a:p>
@@ -638,7 +638,7 @@
           <a:p>
             <a:fld id="{D88183E0-9267-4644-94A1-CA1DAE702DAE}" type="datetimeFigureOut">
               <a:rPr lang="en-GB" smtClean="0"/>
-              <a:t>06/12/2012</a:t>
+              <a:t>06/03/2013</a:t>
             </a:fld>
             <a:endParaRPr lang="en-GB"/>
           </a:p>
@@ -808,7 +808,7 @@
           <a:p>
             <a:fld id="{D88183E0-9267-4644-94A1-CA1DAE702DAE}" type="datetimeFigureOut">
               <a:rPr lang="en-GB" smtClean="0"/>
-              <a:t>06/12/2012</a:t>
+              <a:t>06/03/2013</a:t>
             </a:fld>
             <a:endParaRPr lang="en-GB"/>
           </a:p>
@@ -1054,7 +1054,7 @@
           <a:p>
             <a:fld id="{D88183E0-9267-4644-94A1-CA1DAE702DAE}" type="datetimeFigureOut">
               <a:rPr lang="en-GB" smtClean="0"/>
-              <a:t>06/12/2012</a:t>
+              <a:t>06/03/2013</a:t>
             </a:fld>
             <a:endParaRPr lang="en-GB"/>
           </a:p>
@@ -1342,7 +1342,7 @@
           <a:p>
             <a:fld id="{D88183E0-9267-4644-94A1-CA1DAE702DAE}" type="datetimeFigureOut">
               <a:rPr lang="en-GB" smtClean="0"/>
-              <a:t>06/12/2012</a:t>
+              <a:t>06/03/2013</a:t>
             </a:fld>
             <a:endParaRPr lang="en-GB"/>
           </a:p>
@@ -1769,7 +1769,7 @@
           <a:p>
             <a:fld id="{D88183E0-9267-4644-94A1-CA1DAE702DAE}" type="datetimeFigureOut">
               <a:rPr lang="en-GB" smtClean="0"/>
-              <a:t>06/12/2012</a:t>
+              <a:t>06/03/2013</a:t>
             </a:fld>
             <a:endParaRPr lang="en-GB"/>
           </a:p>
@@ -1887,7 +1887,7 @@
           <a:p>
             <a:fld id="{D88183E0-9267-4644-94A1-CA1DAE702DAE}" type="datetimeFigureOut">
               <a:rPr lang="en-GB" smtClean="0"/>
-              <a:t>06/12/2012</a:t>
+              <a:t>06/03/2013</a:t>
             </a:fld>
             <a:endParaRPr lang="en-GB"/>
           </a:p>
@@ -1982,7 +1982,7 @@
           <a:p>
             <a:fld id="{D88183E0-9267-4644-94A1-CA1DAE702DAE}" type="datetimeFigureOut">
               <a:rPr lang="en-GB" smtClean="0"/>
-              <a:t>06/12/2012</a:t>
+              <a:t>06/03/2013</a:t>
             </a:fld>
             <a:endParaRPr lang="en-GB"/>
           </a:p>
@@ -2259,7 +2259,7 @@
           <a:p>
             <a:fld id="{D88183E0-9267-4644-94A1-CA1DAE702DAE}" type="datetimeFigureOut">
               <a:rPr lang="en-GB" smtClean="0"/>
-              <a:t>06/12/2012</a:t>
+              <a:t>06/03/2013</a:t>
             </a:fld>
             <a:endParaRPr lang="en-GB"/>
           </a:p>
@@ -2512,7 +2512,7 @@
           <a:p>
             <a:fld id="{D88183E0-9267-4644-94A1-CA1DAE702DAE}" type="datetimeFigureOut">
               <a:rPr lang="en-GB" smtClean="0"/>
-              <a:t>06/12/2012</a:t>
+              <a:t>06/03/2013</a:t>
             </a:fld>
             <a:endParaRPr lang="en-GB"/>
           </a:p>
@@ -2725,7 +2725,7 @@
           <a:p>
             <a:fld id="{D88183E0-9267-4644-94A1-CA1DAE702DAE}" type="datetimeFigureOut">
               <a:rPr lang="en-GB" smtClean="0"/>
-              <a:t>06/12/2012</a:t>
+              <a:t>06/03/2013</a:t>
             </a:fld>
             <a:endParaRPr lang="en-GB"/>
           </a:p>
@@ -3477,8 +3477,8 @@
           </a:fontRef>
         </p:style>
       </p:cxnSp>
-      <mc:AlternateContent xmlns:mc="http://schemas.openxmlformats.org/markup-compatibility/2006">
-        <mc:Choice xmlns:a14="http://schemas.microsoft.com/office/drawing/2010/main" Requires="a14">
+      <mc:AlternateContent xmlns:mc="http://schemas.openxmlformats.org/markup-compatibility/2006" xmlns:a14="http://schemas.microsoft.com/office/drawing/2010/main">
+        <mc:Choice Requires="a14">
           <p:sp>
             <p:nvSpPr>
               <p:cNvPr id="31" name="TextBox 30"/>
@@ -3501,6 +3501,7 @@
               </a:bodyPr>
               <a:lstStyle/>
               <a:p>
+                <a:pPr/>
                 <a14:m>
                   <m:oMathPara xmlns:m="http://schemas.openxmlformats.org/officeDocument/2006/math">
                     <m:oMathParaPr>
@@ -3522,7 +3523,7 @@
             </p:txBody>
           </p:sp>
         </mc:Choice>
-        <mc:Fallback>
+        <mc:Fallback xmlns="">
           <p:sp>
             <p:nvSpPr>
               <p:cNvPr id="31" name="TextBox 30"/>
@@ -3561,8 +3562,8 @@
           </p:sp>
         </mc:Fallback>
       </mc:AlternateContent>
-      <mc:AlternateContent xmlns:mc="http://schemas.openxmlformats.org/markup-compatibility/2006">
-        <mc:Choice xmlns:a14="http://schemas.microsoft.com/office/drawing/2010/main" Requires="a14">
+      <mc:AlternateContent xmlns:mc="http://schemas.openxmlformats.org/markup-compatibility/2006" xmlns:a14="http://schemas.microsoft.com/office/drawing/2010/main">
+        <mc:Choice Requires="a14">
           <p:sp>
             <p:nvSpPr>
               <p:cNvPr id="32" name="TextBox 31"/>
@@ -3585,6 +3586,7 @@
               </a:bodyPr>
               <a:lstStyle/>
               <a:p>
+                <a:pPr/>
                 <a14:m>
                   <m:oMathPara xmlns:m="http://schemas.openxmlformats.org/officeDocument/2006/math">
                     <m:oMathParaPr>
@@ -3605,7 +3607,7 @@
             </p:txBody>
           </p:sp>
         </mc:Choice>
-        <mc:Fallback>
+        <mc:Fallback xmlns="">
           <p:sp>
             <p:nvSpPr>
               <p:cNvPr id="32" name="TextBox 31"/>
@@ -3654,7 +3656,7 @@
             </p:nvSpPr>
             <p:spPr>
               <a:xfrm>
-                <a:off x="1671465" y="2062279"/>
+                <a:off x="1512715" y="1838555"/>
                 <a:ext cx="351635" cy="369332"/>
               </a:xfrm>
               <a:prstGeom prst="rect">
@@ -3670,6 +3672,7 @@
               </a:bodyPr>
               <a:lstStyle/>
               <a:p>
+                <a:pPr/>
                 <a14:m>
                   <m:oMathPara xmlns:m="http://schemas.openxmlformats.org/officeDocument/2006/math">
                     <m:oMathParaPr>
@@ -3701,7 +3704,7 @@
             </p:nvSpPr>
             <p:spPr>
               <a:xfrm>
-                <a:off x="1671465" y="2062279"/>
+                <a:off x="1512715" y="1838555"/>
                 <a:ext cx="351635" cy="369332"/>
               </a:xfrm>
               <a:prstGeom prst="rect">
